--- a/pvtol/CDC_figure/Riemannian.pptx
+++ b/pvtol/CDC_figure/Riemannian.pptx
@@ -5,7 +5,7 @@
     <p:sldMasterId id="2147483648" r:id="rId1"/>
   </p:sldMasterIdLst>
   <p:sldIdLst>
-    <p:sldId id="256" r:id="rId2"/>
+    <p:sldId id="257" r:id="rId2"/>
   </p:sldIdLst>
   <p:sldSz cx="12192000" cy="6858000"/>
   <p:notesSz cx="6858000" cy="9144000"/>
@@ -104,6 +104,11 @@
       </a:defRPr>
     </a:lvl9pPr>
   </p:defaultTextStyle>
+  <p:extLst>
+    <p:ext uri="{EFAFB233-063F-42B5-8137-9DF3F51BA10A}">
+      <p15:sldGuideLst xmlns:p15="http://schemas.microsoft.com/office/powerpoint/2012/main"/>
+    </p:ext>
+  </p:extLst>
 </p:presentation>
 </file>
 
@@ -254,7 +259,7 @@
           <a:p>
             <a:fld id="{845440D3-EE2B-4BA0-AA87-0B5EF8B8B8B7}" type="datetimeFigureOut">
               <a:rPr lang="en-US" smtClean="0"/>
-              <a:t>3/31/2022</a:t>
+              <a:t>4/17/2022</a:t>
             </a:fld>
             <a:endParaRPr lang="en-US"/>
           </a:p>
@@ -452,7 +457,7 @@
           <a:p>
             <a:fld id="{845440D3-EE2B-4BA0-AA87-0B5EF8B8B8B7}" type="datetimeFigureOut">
               <a:rPr lang="en-US" smtClean="0"/>
-              <a:t>3/31/2022</a:t>
+              <a:t>4/17/2022</a:t>
             </a:fld>
             <a:endParaRPr lang="en-US"/>
           </a:p>
@@ -660,7 +665,7 @@
           <a:p>
             <a:fld id="{845440D3-EE2B-4BA0-AA87-0B5EF8B8B8B7}" type="datetimeFigureOut">
               <a:rPr lang="en-US" smtClean="0"/>
-              <a:t>3/31/2022</a:t>
+              <a:t>4/17/2022</a:t>
             </a:fld>
             <a:endParaRPr lang="en-US"/>
           </a:p>
@@ -858,7 +863,7 @@
           <a:p>
             <a:fld id="{845440D3-EE2B-4BA0-AA87-0B5EF8B8B8B7}" type="datetimeFigureOut">
               <a:rPr lang="en-US" smtClean="0"/>
-              <a:t>3/31/2022</a:t>
+              <a:t>4/17/2022</a:t>
             </a:fld>
             <a:endParaRPr lang="en-US"/>
           </a:p>
@@ -1133,7 +1138,7 @@
           <a:p>
             <a:fld id="{845440D3-EE2B-4BA0-AA87-0B5EF8B8B8B7}" type="datetimeFigureOut">
               <a:rPr lang="en-US" smtClean="0"/>
-              <a:t>3/31/2022</a:t>
+              <a:t>4/17/2022</a:t>
             </a:fld>
             <a:endParaRPr lang="en-US"/>
           </a:p>
@@ -1398,7 +1403,7 @@
           <a:p>
             <a:fld id="{845440D3-EE2B-4BA0-AA87-0B5EF8B8B8B7}" type="datetimeFigureOut">
               <a:rPr lang="en-US" smtClean="0"/>
-              <a:t>3/31/2022</a:t>
+              <a:t>4/17/2022</a:t>
             </a:fld>
             <a:endParaRPr lang="en-US"/>
           </a:p>
@@ -1810,7 +1815,7 @@
           <a:p>
             <a:fld id="{845440D3-EE2B-4BA0-AA87-0B5EF8B8B8B7}" type="datetimeFigureOut">
               <a:rPr lang="en-US" smtClean="0"/>
-              <a:t>3/31/2022</a:t>
+              <a:t>4/17/2022</a:t>
             </a:fld>
             <a:endParaRPr lang="en-US"/>
           </a:p>
@@ -1951,7 +1956,7 @@
           <a:p>
             <a:fld id="{845440D3-EE2B-4BA0-AA87-0B5EF8B8B8B7}" type="datetimeFigureOut">
               <a:rPr lang="en-US" smtClean="0"/>
-              <a:t>3/31/2022</a:t>
+              <a:t>4/17/2022</a:t>
             </a:fld>
             <a:endParaRPr lang="en-US"/>
           </a:p>
@@ -2064,7 +2069,7 @@
           <a:p>
             <a:fld id="{845440D3-EE2B-4BA0-AA87-0B5EF8B8B8B7}" type="datetimeFigureOut">
               <a:rPr lang="en-US" smtClean="0"/>
-              <a:t>3/31/2022</a:t>
+              <a:t>4/17/2022</a:t>
             </a:fld>
             <a:endParaRPr lang="en-US"/>
           </a:p>
@@ -2375,7 +2380,7 @@
           <a:p>
             <a:fld id="{845440D3-EE2B-4BA0-AA87-0B5EF8B8B8B7}" type="datetimeFigureOut">
               <a:rPr lang="en-US" smtClean="0"/>
-              <a:t>3/31/2022</a:t>
+              <a:t>4/17/2022</a:t>
             </a:fld>
             <a:endParaRPr lang="en-US"/>
           </a:p>
@@ -2663,7 +2668,7 @@
           <a:p>
             <a:fld id="{845440D3-EE2B-4BA0-AA87-0B5EF8B8B8B7}" type="datetimeFigureOut">
               <a:rPr lang="en-US" smtClean="0"/>
-              <a:t>3/31/2022</a:t>
+              <a:t>4/17/2022</a:t>
             </a:fld>
             <a:endParaRPr lang="en-US"/>
           </a:p>
@@ -2904,7 +2909,7 @@
           <a:p>
             <a:fld id="{845440D3-EE2B-4BA0-AA87-0B5EF8B8B8B7}" type="datetimeFigureOut">
               <a:rPr lang="en-US" smtClean="0"/>
-              <a:t>3/31/2022</a:t>
+              <a:t>4/17/2022</a:t>
             </a:fld>
             <a:endParaRPr lang="en-US"/>
           </a:p>
@@ -3323,10 +3328,10 @@
       </p:grpSpPr>
       <p:pic>
         <p:nvPicPr>
-          <p:cNvPr id="11" name="Picture 10">
-            <a:extLst>
-              <a:ext uri="{FF2B5EF4-FFF2-40B4-BE49-F238E27FC236}">
-                <a16:creationId xmlns:a16="http://schemas.microsoft.com/office/drawing/2014/main" id="{9A1D1DFF-E7F3-4690-88C3-0C04E7CE0C45}"/>
+          <p:cNvPr id="14" name="Graphic 13">
+            <a:extLst>
+              <a:ext uri="{FF2B5EF4-FFF2-40B4-BE49-F238E27FC236}">
+                <a16:creationId xmlns:a16="http://schemas.microsoft.com/office/drawing/2014/main" id="{24CB9533-EF4F-4D2C-9ADA-380BE4F945F6}"/>
               </a:ext>
             </a:extLst>
           </p:cNvPr>
@@ -3336,66 +3341,45 @@
           <p:nvPr/>
         </p:nvPicPr>
         <p:blipFill>
-          <a:blip r:embed="rId2"/>
+          <a:blip r:embed="rId2">
+            <a:extLst>
+              <a:ext uri="{28A0092B-C50C-407E-A947-70E740481C1C}">
+                <a14:useLocalDpi xmlns:a14="http://schemas.microsoft.com/office/drawing/2010/main" val="0"/>
+              </a:ext>
+              <a:ext uri="{96DAC541-7B7A-43D3-8B79-37D633B846F1}">
+                <asvg:svgBlip xmlns:asvg="http://schemas.microsoft.com/office/drawing/2016/SVG/main" r:embed="rId3"/>
+              </a:ext>
+            </a:extLst>
+          </a:blip>
           <a:stretch>
             <a:fillRect/>
           </a:stretch>
         </p:blipFill>
         <p:spPr>
           <a:xfrm>
-            <a:off x="2217762" y="118111"/>
-            <a:ext cx="6617882" cy="6692121"/>
+            <a:off x="2266665" y="0"/>
+            <a:ext cx="7722265" cy="6858000"/>
           </a:xfrm>
           <a:prstGeom prst="rect">
             <a:avLst/>
           </a:prstGeom>
         </p:spPr>
       </p:pic>
-      <p:pic>
-        <p:nvPicPr>
-          <p:cNvPr id="13" name="Picture 12">
-            <a:extLst>
-              <a:ext uri="{FF2B5EF4-FFF2-40B4-BE49-F238E27FC236}">
-                <a16:creationId xmlns:a16="http://schemas.microsoft.com/office/drawing/2014/main" id="{A73B47D9-CFFB-47EF-BCC1-D117C999D7A1}"/>
-              </a:ext>
-            </a:extLst>
-          </p:cNvPr>
-          <p:cNvPicPr>
-            <a:picLocks noChangeAspect="1"/>
-          </p:cNvPicPr>
+      <p:sp>
+        <p:nvSpPr>
+          <p:cNvPr id="15" name="Rectangle 14">
+            <a:extLst>
+              <a:ext uri="{FF2B5EF4-FFF2-40B4-BE49-F238E27FC236}">
+                <a16:creationId xmlns:a16="http://schemas.microsoft.com/office/drawing/2014/main" id="{371AC615-DF1B-42A9-9C4C-FF8CC87C301F}"/>
+              </a:ext>
+            </a:extLst>
+          </p:cNvPr>
+          <p:cNvSpPr/>
           <p:nvPr/>
-        </p:nvPicPr>
-        <p:blipFill>
-          <a:blip r:embed="rId3"/>
-          <a:stretch>
-            <a:fillRect/>
-          </a:stretch>
-        </p:blipFill>
+        </p:nvSpPr>
         <p:spPr>
           <a:xfrm>
-            <a:off x="3184762" y="1501254"/>
-            <a:ext cx="4371546" cy="2098342"/>
-          </a:xfrm>
-          <a:prstGeom prst="rect">
-            <a:avLst/>
-          </a:prstGeom>
-        </p:spPr>
-      </p:pic>
-      <p:sp>
-        <p:nvSpPr>
-          <p:cNvPr id="14" name="Rectangle 13">
-            <a:extLst>
-              <a:ext uri="{FF2B5EF4-FFF2-40B4-BE49-F238E27FC236}">
-                <a16:creationId xmlns:a16="http://schemas.microsoft.com/office/drawing/2014/main" id="{49F32D77-4FF3-4F9C-B68E-471AF342F550}"/>
-              </a:ext>
-            </a:extLst>
-          </p:cNvPr>
-          <p:cNvSpPr/>
-          <p:nvPr/>
-        </p:nvSpPr>
-        <p:spPr>
-          <a:xfrm>
-            <a:off x="5526703" y="6016121"/>
+            <a:off x="6096000" y="5988825"/>
             <a:ext cx="2681785" cy="157656"/>
           </a:xfrm>
           <a:prstGeom prst="rect">
@@ -3441,20 +3425,19 @@
           <p:cNvPr id="16" name="Straight Arrow Connector 15">
             <a:extLst>
               <a:ext uri="{FF2B5EF4-FFF2-40B4-BE49-F238E27FC236}">
-                <a16:creationId xmlns:a16="http://schemas.microsoft.com/office/drawing/2014/main" id="{8EB90786-EEC9-4518-AF7B-1E1F7E12558B}"/>
+                <a16:creationId xmlns:a16="http://schemas.microsoft.com/office/drawing/2014/main" id="{9CA6E8EC-C91C-4854-A6D8-04BE4405178A}"/>
               </a:ext>
             </a:extLst>
           </p:cNvPr>
           <p:cNvCxnSpPr>
             <a:cxnSpLocks/>
-            <a:stCxn id="14" idx="0"/>
           </p:cNvCxnSpPr>
           <p:nvPr/>
         </p:nvCxnSpPr>
         <p:spPr>
           <a:xfrm flipH="1" flipV="1">
-            <a:off x="6096000" y="3550394"/>
-            <a:ext cx="771596" cy="2465727"/>
+            <a:off x="7195286" y="3882788"/>
+            <a:ext cx="712455" cy="2106037"/>
           </a:xfrm>
           <a:prstGeom prst="straightConnector1">
             <a:avLst/>
@@ -3488,7 +3471,7 @@
     </p:spTree>
     <p:extLst>
       <p:ext uri="{BB962C8B-B14F-4D97-AF65-F5344CB8AC3E}">
-        <p14:creationId xmlns:p14="http://schemas.microsoft.com/office/powerpoint/2010/main" val="1487003285"/>
+        <p14:creationId xmlns:p14="http://schemas.microsoft.com/office/powerpoint/2010/main" val="3821987694"/>
       </p:ext>
     </p:extLst>
   </p:cSld>
